--- a/Final_Deck.pptx
+++ b/Final_Deck.pptx
@@ -3106,7 +3106,7 @@
           <a:lstStyle/>
           <a:p>
             <a:r>
-              <a:t>Introduction &amp; Opportunity</a:t>
+              <a:t>Core Strategy</a:t>
             </a:r>
           </a:p>
         </p:txBody>
@@ -3129,19 +3129,25 @@
           <a:p>
             <a:pPr/>
             <a:r>
-              <a:t>Strategic objective: Expansion into the GCC residential real estate market</a:t>
+              <a:t>Expansion into selected GCC markets</a:t>
             </a:r>
           </a:p>
           <a:p>
             <a:pPr/>
             <a:r>
-              <a:t>Initial focus: Saudi Arabia (Riyadh, Jeddah) and UAE (Dubai, Abu Dhabi)</a:t>
+              <a:t>Primary focus on Saudi Arabia and UAE</a:t>
             </a:r>
           </a:p>
           <a:p>
             <a:pPr/>
             <a:r>
-              <a:t>Growth potential driven by demographic trends, urbanization, and government initiatives</a:t>
+              <a:t>Secondary options in Qatar and Kuwait</a:t>
+            </a:r>
+          </a:p>
+          <a:p>
+            <a:pPr/>
+            <a:r>
+              <a:t>Leverage demographic growth, brand, and capabilities</a:t>
             </a:r>
           </a:p>
         </p:txBody>
@@ -3180,7 +3186,7 @@
           <a:lstStyle/>
           <a:p>
             <a:r>
-              <a:t>Our Right to Win &amp; Approach</a:t>
+              <a:t>Gaps Identified</a:t>
             </a:r>
           </a:p>
         </p:txBody>
@@ -3203,19 +3209,25 @@
           <a:p>
             <a:pPr/>
             <a:r>
-              <a:t>Company's unique position: Experience, brand reputation, and ability to cater to target customer segments</a:t>
+              <a:t>Rationale for choosing Riyadh and Dubai</a:t>
             </a:r>
           </a:p>
           <a:p>
             <a:pPr/>
             <a:r>
-              <a:t>Phased market entry plan: Starting with pilot projects in Riyadh and Dubai</a:t>
+              <a:t>Distinctive edge against local incumbents</a:t>
             </a:r>
           </a:p>
           <a:p>
             <a:pPr/>
             <a:r>
-              <a:t>Importance of local partnerships and approach to finding and working with partners</a:t>
+              <a:t>Plan for downside protection</a:t>
+            </a:r>
+          </a:p>
+          <a:p>
+            <a:pPr/>
+            <a:r>
+              <a:t>Explanation of the partnership model</a:t>
             </a:r>
           </a:p>
         </p:txBody>
@@ -3254,7 +3266,7 @@
           <a:lstStyle/>
           <a:p>
             <a:r>
-              <a:t>Risks, Mitigations &amp; Financials</a:t>
+              <a:t>Recommendations</a:t>
             </a:r>
           </a:p>
         </p:txBody>
@@ -3277,19 +3289,25 @@
           <a:p>
             <a:pPr/>
             <a:r>
-              <a:t>Potential risks: Regulatory delays, demand shocks, execution risks</a:t>
+              <a:t>Framing the opportunity in the GCC region</a:t>
             </a:r>
           </a:p>
           <a:p>
             <a:pPr/>
             <a:r>
-              <a:t>Company's strategies for mitigating these risks</a:t>
+              <a:t>Acknowledging key risks and proposing mitigations</a:t>
             </a:r>
           </a:p>
           <a:p>
             <a:pPr/>
             <a:r>
-              <a:t>Expected financials: Average selling prices, gross margin targets, initial capital requirements</a:t>
+              <a:t>Presenting the company's distinctive edge</a:t>
+            </a:r>
+          </a:p>
+          <a:p>
+            <a:pPr/>
+            <a:r>
+              <a:t>Detailing the partnership model</a:t>
             </a:r>
           </a:p>
         </p:txBody>
